--- a/EasyMerge.pptx
+++ b/EasyMerge.pptx
@@ -5,10 +5,10 @@
     <p:sldMasterId id="2147483648" r:id="rId2"/>
   </p:sldMasterIdLst>
   <p:notesMasterIdLst>
-    <p:notesMasterId r:id="rId20"/>
+    <p:notesMasterId r:id="rId21"/>
   </p:notesMasterIdLst>
   <p:handoutMasterIdLst>
-    <p:handoutMasterId r:id="rId21"/>
+    <p:handoutMasterId r:id="rId22"/>
   </p:handoutMasterIdLst>
   <p:sldIdLst>
     <p:sldId id="265" r:id="rId3"/>
@@ -17,22 +17,23 @@
     <p:sldId id="325" r:id="rId6"/>
     <p:sldId id="323" r:id="rId7"/>
     <p:sldId id="326" r:id="rId8"/>
-    <p:sldId id="322" r:id="rId9"/>
-    <p:sldId id="327" r:id="rId10"/>
-    <p:sldId id="328" r:id="rId11"/>
-    <p:sldId id="329" r:id="rId12"/>
-    <p:sldId id="330" r:id="rId13"/>
-    <p:sldId id="331" r:id="rId14"/>
-    <p:sldId id="332" r:id="rId15"/>
-    <p:sldId id="333" r:id="rId16"/>
-    <p:sldId id="334" r:id="rId17"/>
-    <p:sldId id="335" r:id="rId18"/>
-    <p:sldId id="324" r:id="rId19"/>
+    <p:sldId id="336" r:id="rId9"/>
+    <p:sldId id="322" r:id="rId10"/>
+    <p:sldId id="327" r:id="rId11"/>
+    <p:sldId id="328" r:id="rId12"/>
+    <p:sldId id="329" r:id="rId13"/>
+    <p:sldId id="330" r:id="rId14"/>
+    <p:sldId id="331" r:id="rId15"/>
+    <p:sldId id="332" r:id="rId16"/>
+    <p:sldId id="333" r:id="rId17"/>
+    <p:sldId id="334" r:id="rId18"/>
+    <p:sldId id="335" r:id="rId19"/>
+    <p:sldId id="324" r:id="rId20"/>
   </p:sldIdLst>
   <p:sldSz cx="12188825" cy="6858000"/>
   <p:notesSz cx="6858000" cy="9144000"/>
   <p:custDataLst>
-    <p:tags r:id="rId22"/>
+    <p:tags r:id="rId23"/>
   </p:custDataLst>
   <p:defaultTextStyle>
     <a:defPPr>
@@ -233,7 +234,7 @@
           <a:p>
             <a:fld id="{59088EAF-6ECA-4616-85EF-35AA19C641F3}" type="datetimeFigureOut">
               <a:rPr lang="en-US"/>
-              <a:t>3/21/2014</a:t>
+              <a:t>3/24/2014</a:t>
             </a:fld>
             <a:endParaRPr/>
           </a:p>
@@ -398,7 +399,7 @@
           <a:p>
             <a:fld id="{3ABD2D7A-D230-4F91-BD59-0A39C2703BA8}" type="datetimeFigureOut">
               <a:rPr lang="en-US"/>
-              <a:t>3/21/2014</a:t>
+              <a:t>3/24/2014</a:t>
             </a:fld>
             <a:endParaRPr/>
           </a:p>
@@ -1000,7 +1001,7 @@
           <a:p>
             <a:fld id="{03F41C87-7AD9-4845-A077-840E4A0F3F06}" type="datetimeFigureOut">
               <a:rPr lang="en-US"/>
-              <a:t>3/21/2014</a:t>
+              <a:t>3/24/2014</a:t>
             </a:fld>
             <a:endParaRPr/>
           </a:p>
@@ -1199,7 +1200,7 @@
           <a:p>
             <a:fld id="{03F41C87-7AD9-4845-A077-840E4A0F3F06}" type="datetimeFigureOut">
               <a:rPr lang="en-US"/>
-              <a:t>3/21/2014</a:t>
+              <a:t>3/24/2014</a:t>
             </a:fld>
             <a:endParaRPr/>
           </a:p>
@@ -1395,7 +1396,7 @@
           <a:p>
             <a:fld id="{03F41C87-7AD9-4845-A077-840E4A0F3F06}" type="datetimeFigureOut">
               <a:rPr lang="en-US"/>
-              <a:t>3/21/2014</a:t>
+              <a:t>3/24/2014</a:t>
             </a:fld>
             <a:endParaRPr/>
           </a:p>
@@ -1682,7 +1683,7 @@
           <a:p>
             <a:fld id="{03F41C87-7AD9-4845-A077-840E4A0F3F06}" type="datetimeFigureOut">
               <a:rPr lang="en-US"/>
-              <a:t>3/21/2014</a:t>
+              <a:t>3/24/2014</a:t>
             </a:fld>
             <a:endParaRPr/>
           </a:p>
@@ -1993,7 +1994,7 @@
           <a:p>
             <a:fld id="{03F41C87-7AD9-4845-A077-840E4A0F3F06}" type="datetimeFigureOut">
               <a:rPr lang="en-US"/>
-              <a:t>3/21/2014</a:t>
+              <a:t>3/24/2014</a:t>
             </a:fld>
             <a:endParaRPr/>
           </a:p>
@@ -2456,7 +2457,7 @@
           <a:p>
             <a:fld id="{03F41C87-7AD9-4845-A077-840E4A0F3F06}" type="datetimeFigureOut">
               <a:rPr lang="en-US"/>
-              <a:t>3/21/2014</a:t>
+              <a:t>3/24/2014</a:t>
             </a:fld>
             <a:endParaRPr/>
           </a:p>
@@ -2593,7 +2594,7 @@
           <a:p>
             <a:fld id="{03F41C87-7AD9-4845-A077-840E4A0F3F06}" type="datetimeFigureOut">
               <a:rPr lang="en-US"/>
-              <a:t>3/21/2014</a:t>
+              <a:t>3/24/2014</a:t>
             </a:fld>
             <a:endParaRPr/>
           </a:p>
@@ -2715,7 +2716,7 @@
           <a:p>
             <a:fld id="{03F41C87-7AD9-4845-A077-840E4A0F3F06}" type="datetimeFigureOut">
               <a:rPr lang="en-US"/>
-              <a:t>3/21/2014</a:t>
+              <a:t>3/24/2014</a:t>
             </a:fld>
             <a:endParaRPr/>
           </a:p>
@@ -3044,7 +3045,7 @@
           <a:p>
             <a:fld id="{03F41C87-7AD9-4845-A077-840E4A0F3F06}" type="datetimeFigureOut">
               <a:rPr lang="en-US"/>
-              <a:t>3/21/2014</a:t>
+              <a:t>3/24/2014</a:t>
             </a:fld>
             <a:endParaRPr/>
           </a:p>
@@ -3363,7 +3364,7 @@
             <a:fld id="{03F41C87-7AD9-4845-A077-840E4A0F3F06}" type="datetimeFigureOut">
               <a:rPr lang="en-US"/>
               <a:pPr/>
-              <a:t>3/21/2014</a:t>
+              <a:t>3/24/2014</a:t>
             </a:fld>
             <a:endParaRPr/>
           </a:p>
@@ -3606,7 +3607,7 @@
             <a:fld id="{03F41C87-7AD9-4845-A077-840E4A0F3F06}" type="datetimeFigureOut">
               <a:rPr lang="en-US"/>
               <a:pPr/>
-              <a:t>3/21/2014</a:t>
+              <a:t>3/24/2014</a:t>
             </a:fld>
             <a:endParaRPr/>
           </a:p>
@@ -4189,7 +4190,7 @@
             </a:r>
             <a:r>
               <a:rPr lang="en-US" dirty="0" smtClean="0"/>
-              <a:t> - Merging</a:t>
+              <a:t> - Classification</a:t>
             </a:r>
             <a:endParaRPr lang="en-CA" dirty="0"/>
           </a:p>
@@ -4217,20 +4218,20 @@
     </p:spTree>
     <p:extLst>
       <p:ext uri="{BB962C8B-B14F-4D97-AF65-F5344CB8AC3E}">
-        <p14:creationId xmlns:p14="http://schemas.microsoft.com/office/powerpoint/2010/main" val="1807126632"/>
+        <p14:creationId xmlns:p14="http://schemas.microsoft.com/office/powerpoint/2010/main" val="2726149338"/>
       </p:ext>
     </p:extLst>
   </p:cSld>
   <p:clrMapOvr>
     <a:masterClrMapping/>
   </p:clrMapOvr>
-  <mc:AlternateContent xmlns:mc="http://schemas.openxmlformats.org/markup-compatibility/2006">
-    <mc:Choice xmlns:p14="http://schemas.microsoft.com/office/powerpoint/2010/main" Requires="p14">
+  <mc:AlternateContent xmlns:mc="http://schemas.openxmlformats.org/markup-compatibility/2006" xmlns:p14="http://schemas.microsoft.com/office/powerpoint/2010/main">
+    <mc:Choice Requires="p14">
       <p:transition spd="med" p14:dur="700">
         <p:fade/>
       </p:transition>
     </mc:Choice>
-    <mc:Fallback>
+    <mc:Fallback xmlns="">
       <p:transition spd="med">
         <p:fade/>
       </p:transition>
@@ -4305,20 +4306,20 @@
     </p:spTree>
     <p:extLst>
       <p:ext uri="{BB962C8B-B14F-4D97-AF65-F5344CB8AC3E}">
-        <p14:creationId xmlns:p14="http://schemas.microsoft.com/office/powerpoint/2010/main" val="3400099830"/>
+        <p14:creationId xmlns:p14="http://schemas.microsoft.com/office/powerpoint/2010/main" val="1807126632"/>
       </p:ext>
     </p:extLst>
   </p:cSld>
   <p:clrMapOvr>
     <a:masterClrMapping/>
   </p:clrMapOvr>
-  <mc:AlternateContent xmlns:mc="http://schemas.openxmlformats.org/markup-compatibility/2006">
-    <mc:Choice xmlns:p14="http://schemas.microsoft.com/office/powerpoint/2010/main" Requires="p14">
+  <mc:AlternateContent xmlns:mc="http://schemas.openxmlformats.org/markup-compatibility/2006" xmlns:p14="http://schemas.microsoft.com/office/powerpoint/2010/main">
+    <mc:Choice Requires="p14">
       <p:transition spd="med" p14:dur="700">
         <p:fade/>
       </p:transition>
     </mc:Choice>
-    <mc:Fallback>
+    <mc:Fallback xmlns="">
       <p:transition spd="med">
         <p:fade/>
       </p:transition>
@@ -4393,20 +4394,20 @@
     </p:spTree>
     <p:extLst>
       <p:ext uri="{BB962C8B-B14F-4D97-AF65-F5344CB8AC3E}">
-        <p14:creationId xmlns:p14="http://schemas.microsoft.com/office/powerpoint/2010/main" val="1967610604"/>
+        <p14:creationId xmlns:p14="http://schemas.microsoft.com/office/powerpoint/2010/main" val="3400099830"/>
       </p:ext>
     </p:extLst>
   </p:cSld>
   <p:clrMapOvr>
     <a:masterClrMapping/>
   </p:clrMapOvr>
-  <mc:AlternateContent xmlns:mc="http://schemas.openxmlformats.org/markup-compatibility/2006">
-    <mc:Choice xmlns:p14="http://schemas.microsoft.com/office/powerpoint/2010/main" Requires="p14">
+  <mc:AlternateContent xmlns:mc="http://schemas.openxmlformats.org/markup-compatibility/2006" xmlns:p14="http://schemas.microsoft.com/office/powerpoint/2010/main">
+    <mc:Choice Requires="p14">
       <p:transition spd="med" p14:dur="700">
         <p:fade/>
       </p:transition>
     </mc:Choice>
-    <mc:Fallback>
+    <mc:Fallback xmlns="">
       <p:transition spd="med">
         <p:fade/>
       </p:transition>
@@ -4448,8 +4449,12 @@
           <a:lstStyle/>
           <a:p>
             <a:r>
+              <a:rPr lang="en-US" dirty="0" err="1" smtClean="0"/>
+              <a:t>EasyMerge</a:t>
+            </a:r>
+            <a:r>
               <a:rPr lang="en-US" dirty="0" smtClean="0"/>
-              <a:t>Experimental Results</a:t>
+              <a:t> - Merging</a:t>
             </a:r>
             <a:endParaRPr lang="en-CA" dirty="0"/>
           </a:p>
@@ -4477,20 +4482,20 @@
     </p:spTree>
     <p:extLst>
       <p:ext uri="{BB962C8B-B14F-4D97-AF65-F5344CB8AC3E}">
-        <p14:creationId xmlns:p14="http://schemas.microsoft.com/office/powerpoint/2010/main" val="3449654399"/>
+        <p14:creationId xmlns:p14="http://schemas.microsoft.com/office/powerpoint/2010/main" val="1967610604"/>
       </p:ext>
     </p:extLst>
   </p:cSld>
   <p:clrMapOvr>
     <a:masterClrMapping/>
   </p:clrMapOvr>
-  <mc:AlternateContent xmlns:mc="http://schemas.openxmlformats.org/markup-compatibility/2006">
-    <mc:Choice xmlns:p14="http://schemas.microsoft.com/office/powerpoint/2010/main" Requires="p14">
+  <mc:AlternateContent xmlns:mc="http://schemas.openxmlformats.org/markup-compatibility/2006" xmlns:p14="http://schemas.microsoft.com/office/powerpoint/2010/main">
+    <mc:Choice Requires="p14">
       <p:transition spd="med" p14:dur="700">
         <p:fade/>
       </p:transition>
     </mc:Choice>
-    <mc:Fallback>
+    <mc:Fallback xmlns="">
       <p:transition spd="med">
         <p:fade/>
       </p:transition>
@@ -4561,20 +4566,20 @@
     </p:spTree>
     <p:extLst>
       <p:ext uri="{BB962C8B-B14F-4D97-AF65-F5344CB8AC3E}">
-        <p14:creationId xmlns:p14="http://schemas.microsoft.com/office/powerpoint/2010/main" val="3204041986"/>
+        <p14:creationId xmlns:p14="http://schemas.microsoft.com/office/powerpoint/2010/main" val="3449654399"/>
       </p:ext>
     </p:extLst>
   </p:cSld>
   <p:clrMapOvr>
     <a:masterClrMapping/>
   </p:clrMapOvr>
-  <mc:AlternateContent xmlns:mc="http://schemas.openxmlformats.org/markup-compatibility/2006">
-    <mc:Choice xmlns:p14="http://schemas.microsoft.com/office/powerpoint/2010/main" Requires="p14">
+  <mc:AlternateContent xmlns:mc="http://schemas.openxmlformats.org/markup-compatibility/2006" xmlns:p14="http://schemas.microsoft.com/office/powerpoint/2010/main">
+    <mc:Choice Requires="p14">
       <p:transition spd="med" p14:dur="700">
         <p:fade/>
       </p:transition>
     </mc:Choice>
-    <mc:Fallback>
+    <mc:Fallback xmlns="">
       <p:transition spd="med">
         <p:fade/>
       </p:transition>
@@ -4645,20 +4650,20 @@
     </p:spTree>
     <p:extLst>
       <p:ext uri="{BB962C8B-B14F-4D97-AF65-F5344CB8AC3E}">
-        <p14:creationId xmlns:p14="http://schemas.microsoft.com/office/powerpoint/2010/main" val="3975804259"/>
+        <p14:creationId xmlns:p14="http://schemas.microsoft.com/office/powerpoint/2010/main" val="3204041986"/>
       </p:ext>
     </p:extLst>
   </p:cSld>
   <p:clrMapOvr>
     <a:masterClrMapping/>
   </p:clrMapOvr>
-  <mc:AlternateContent xmlns:mc="http://schemas.openxmlformats.org/markup-compatibility/2006">
-    <mc:Choice xmlns:p14="http://schemas.microsoft.com/office/powerpoint/2010/main" Requires="p14">
+  <mc:AlternateContent xmlns:mc="http://schemas.openxmlformats.org/markup-compatibility/2006" xmlns:p14="http://schemas.microsoft.com/office/powerpoint/2010/main">
+    <mc:Choice Requires="p14">
       <p:transition spd="med" p14:dur="700">
         <p:fade/>
       </p:transition>
     </mc:Choice>
-    <mc:Fallback>
+    <mc:Fallback xmlns="">
       <p:transition spd="med">
         <p:fade/>
       </p:transition>
@@ -4729,20 +4734,20 @@
     </p:spTree>
     <p:extLst>
       <p:ext uri="{BB962C8B-B14F-4D97-AF65-F5344CB8AC3E}">
-        <p14:creationId xmlns:p14="http://schemas.microsoft.com/office/powerpoint/2010/main" val="3693129983"/>
+        <p14:creationId xmlns:p14="http://schemas.microsoft.com/office/powerpoint/2010/main" val="3975804259"/>
       </p:ext>
     </p:extLst>
   </p:cSld>
   <p:clrMapOvr>
     <a:masterClrMapping/>
   </p:clrMapOvr>
-  <mc:AlternateContent xmlns:mc="http://schemas.openxmlformats.org/markup-compatibility/2006">
-    <mc:Choice xmlns:p14="http://schemas.microsoft.com/office/powerpoint/2010/main" Requires="p14">
+  <mc:AlternateContent xmlns:mc="http://schemas.openxmlformats.org/markup-compatibility/2006" xmlns:p14="http://schemas.microsoft.com/office/powerpoint/2010/main">
+    <mc:Choice Requires="p14">
       <p:transition spd="med" p14:dur="700">
         <p:fade/>
       </p:transition>
     </mc:Choice>
-    <mc:Fallback>
+    <mc:Fallback xmlns="">
       <p:transition spd="med">
         <p:fade/>
       </p:transition>
@@ -4785,6 +4790,90 @@
           <a:p>
             <a:r>
               <a:rPr lang="en-US" dirty="0" smtClean="0"/>
+              <a:t>Experimental Results</a:t>
+            </a:r>
+            <a:endParaRPr lang="en-CA" dirty="0"/>
+          </a:p>
+        </p:txBody>
+      </p:sp>
+      <p:sp>
+        <p:nvSpPr>
+          <p:cNvPr id="3" name="Content Placeholder 2"/>
+          <p:cNvSpPr>
+            <a:spLocks noGrp="1"/>
+          </p:cNvSpPr>
+          <p:nvPr>
+            <p:ph idx="1"/>
+          </p:nvPr>
+        </p:nvSpPr>
+        <p:spPr/>
+        <p:txBody>
+          <a:bodyPr/>
+          <a:lstStyle/>
+          <a:p>
+            <a:endParaRPr lang="en-CA"/>
+          </a:p>
+        </p:txBody>
+      </p:sp>
+    </p:spTree>
+    <p:extLst>
+      <p:ext uri="{BB962C8B-B14F-4D97-AF65-F5344CB8AC3E}">
+        <p14:creationId xmlns:p14="http://schemas.microsoft.com/office/powerpoint/2010/main" val="3693129983"/>
+      </p:ext>
+    </p:extLst>
+  </p:cSld>
+  <p:clrMapOvr>
+    <a:masterClrMapping/>
+  </p:clrMapOvr>
+  <mc:AlternateContent xmlns:mc="http://schemas.openxmlformats.org/markup-compatibility/2006" xmlns:p14="http://schemas.microsoft.com/office/powerpoint/2010/main">
+    <mc:Choice Requires="p14">
+      <p:transition spd="med" p14:dur="700">
+        <p:fade/>
+      </p:transition>
+    </mc:Choice>
+    <mc:Fallback xmlns="">
+      <p:transition spd="med">
+        <p:fade/>
+      </p:transition>
+    </mc:Fallback>
+  </mc:AlternateContent>
+</p:sld>
+</file>
+
+<file path=ppt/slides/slide18.xml><?xml version="1.0" encoding="utf-8"?>
+<p:sld xmlns:a="http://schemas.openxmlformats.org/drawingml/2006/main" xmlns:r="http://schemas.openxmlformats.org/officeDocument/2006/relationships" xmlns:p="http://schemas.openxmlformats.org/presentationml/2006/main">
+  <p:cSld>
+    <p:spTree>
+      <p:nvGrpSpPr>
+        <p:cNvPr id="1" name=""/>
+        <p:cNvGrpSpPr/>
+        <p:nvPr/>
+      </p:nvGrpSpPr>
+      <p:grpSpPr>
+        <a:xfrm>
+          <a:off x="0" y="0"/>
+          <a:ext cx="0" cy="0"/>
+          <a:chOff x="0" y="0"/>
+          <a:chExt cx="0" cy="0"/>
+        </a:xfrm>
+      </p:grpSpPr>
+      <p:sp>
+        <p:nvSpPr>
+          <p:cNvPr id="2" name="Title 1"/>
+          <p:cNvSpPr>
+            <a:spLocks noGrp="1"/>
+          </p:cNvSpPr>
+          <p:nvPr>
+            <p:ph type="title"/>
+          </p:nvPr>
+        </p:nvSpPr>
+        <p:spPr/>
+        <p:txBody>
+          <a:bodyPr/>
+          <a:lstStyle/>
+          <a:p>
+            <a:r>
+              <a:rPr lang="en-US" dirty="0" smtClean="0"/>
               <a:t>Conclusion &amp; Future Work</a:t>
             </a:r>
             <a:endParaRPr lang="en-CA" dirty="0"/>
@@ -4820,13 +4909,13 @@
   <p:clrMapOvr>
     <a:masterClrMapping/>
   </p:clrMapOvr>
-  <mc:AlternateContent xmlns:mc="http://schemas.openxmlformats.org/markup-compatibility/2006">
-    <mc:Choice xmlns:p14="http://schemas.microsoft.com/office/powerpoint/2010/main" Requires="p14">
+  <mc:AlternateContent xmlns:mc="http://schemas.openxmlformats.org/markup-compatibility/2006" xmlns:p14="http://schemas.microsoft.com/office/powerpoint/2010/main">
+    <mc:Choice Requires="p14">
       <p:transition spd="med" p14:dur="700">
         <p:fade/>
       </p:transition>
     </mc:Choice>
-    <mc:Fallback>
+    <mc:Fallback xmlns="">
       <p:transition spd="med">
         <p:fade/>
       </p:transition>
@@ -4890,6 +4979,60 @@
           <a:bodyPr/>
           <a:lstStyle/>
           <a:p>
+            <a:r>
+              <a:rPr lang="en-US" dirty="0" smtClean="0"/>
+              <a:t>A code fragment (CF) is any sequence of code lines (with or without comments). A CF is identified by its file name and begin-end line numbers in the original code base.</a:t>
+            </a:r>
+          </a:p>
+          <a:p>
+            <a:r>
+              <a:rPr lang="en-US" dirty="0" smtClean="0"/>
+              <a:t>A code fragment CF</a:t>
+            </a:r>
+            <a:r>
+              <a:rPr lang="en-US" baseline="-25000" dirty="0" smtClean="0"/>
+              <a:t>2</a:t>
+            </a:r>
+            <a:r>
+              <a:rPr lang="en-US" dirty="0" smtClean="0"/>
+              <a:t> is a clone of another code fragment CF</a:t>
+            </a:r>
+            <a:r>
+              <a:rPr lang="en-US" baseline="-25000" dirty="0" smtClean="0"/>
+              <a:t>1</a:t>
+            </a:r>
+            <a:r>
+              <a:rPr lang="en-US" dirty="0" smtClean="0"/>
+              <a:t> if they are similar by some given definition of similarity, that is, f(CF</a:t>
+            </a:r>
+            <a:r>
+              <a:rPr lang="en-US" baseline="-25000" dirty="0" smtClean="0"/>
+              <a:t>1</a:t>
+            </a:r>
+            <a:r>
+              <a:rPr lang="en-US" dirty="0" smtClean="0"/>
+              <a:t>) = f(CF</a:t>
+            </a:r>
+            <a:r>
+              <a:rPr lang="en-US" baseline="-25000" dirty="0" smtClean="0"/>
+              <a:t>2</a:t>
+            </a:r>
+            <a:r>
+              <a:rPr lang="en-US" dirty="0" smtClean="0"/>
+              <a:t>) where f is the similarity function.</a:t>
+            </a:r>
+          </a:p>
+          <a:p>
+            <a:r>
+              <a:rPr lang="en-US" dirty="0" smtClean="0"/>
+              <a:t>Previous research shows that a significant fraction (between 7% and 23%) of the code in a typical software system has been cloned.</a:t>
+            </a:r>
+          </a:p>
+          <a:p>
+            <a:r>
+              <a:rPr lang="en-US" dirty="0" smtClean="0"/>
+              <a:t>By detecting, categorizing, and removing code clones we can produce easier to understand, cleaner, and more reusable code.</a:t>
+            </a:r>
             <a:endParaRPr lang="en-CA" dirty="0"/>
           </a:p>
         </p:txBody>
@@ -4904,13 +5047,13 @@
   <p:clrMapOvr>
     <a:masterClrMapping/>
   </p:clrMapOvr>
-  <mc:AlternateContent xmlns:mc="http://schemas.openxmlformats.org/markup-compatibility/2006">
-    <mc:Choice xmlns:p14="http://schemas.microsoft.com/office/powerpoint/2010/main" Requires="p14">
+  <mc:AlternateContent xmlns:mc="http://schemas.openxmlformats.org/markup-compatibility/2006" xmlns:p14="http://schemas.microsoft.com/office/powerpoint/2010/main">
+    <mc:Choice Requires="p14">
       <p:transition spd="med" p14:dur="700">
         <p:fade/>
       </p:transition>
     </mc:Choice>
-    <mc:Fallback>
+    <mc:Fallback xmlns="">
       <p:transition spd="med">
         <p:fade/>
       </p:transition>
@@ -4953,7 +5096,7 @@
           <a:p>
             <a:r>
               <a:rPr lang="en-US" dirty="0" smtClean="0"/>
-              <a:t>Clone Detection</a:t>
+              <a:t>Clone Types</a:t>
             </a:r>
             <a:endParaRPr lang="en-CA" dirty="0"/>
           </a:p>
@@ -4974,7 +5117,29 @@
           <a:bodyPr/>
           <a:lstStyle/>
           <a:p>
-            <a:endParaRPr lang="en-CA"/>
+            <a:r>
+              <a:rPr lang="en-US" dirty="0" smtClean="0"/>
+              <a:t>Type-1: Identical code fragments except for variations in whitespace, layout and comments.</a:t>
+            </a:r>
+          </a:p>
+          <a:p>
+            <a:r>
+              <a:rPr lang="en-US" dirty="0" smtClean="0"/>
+              <a:t>Type-2: Syntactically identical fragments except for variations in identifiers, literals, types, whitespace, layout and comments.</a:t>
+            </a:r>
+          </a:p>
+          <a:p>
+            <a:r>
+              <a:rPr lang="en-US" dirty="0" smtClean="0"/>
+              <a:t>Type-3: Copied fragments with further modifications such as changed, added or removed statements, in addition to variations in identifiers, literals, types, whitespace and comments.</a:t>
+            </a:r>
+          </a:p>
+          <a:p>
+            <a:r>
+              <a:rPr lang="en-US" dirty="0" smtClean="0"/>
+              <a:t>Type-4: Two or more code fragments that perform the same computation but are implemented by different syntactic variants.</a:t>
+            </a:r>
+            <a:endParaRPr lang="en-CA" dirty="0"/>
           </a:p>
         </p:txBody>
       </p:sp>
@@ -4988,13 +5153,13 @@
   <p:clrMapOvr>
     <a:masterClrMapping/>
   </p:clrMapOvr>
-  <mc:AlternateContent xmlns:mc="http://schemas.openxmlformats.org/markup-compatibility/2006">
-    <mc:Choice xmlns:p14="http://schemas.microsoft.com/office/powerpoint/2010/main" Requires="p14">
+  <mc:AlternateContent xmlns:mc="http://schemas.openxmlformats.org/markup-compatibility/2006" xmlns:p14="http://schemas.microsoft.com/office/powerpoint/2010/main">
+    <mc:Choice Requires="p14">
       <p:transition spd="med" p14:dur="700">
         <p:fade/>
       </p:transition>
     </mc:Choice>
-    <mc:Fallback>
+    <mc:Fallback xmlns="">
       <p:transition spd="med">
         <p:fade/>
       </p:transition>
@@ -5037,31 +5202,41 @@
           <a:p>
             <a:r>
               <a:rPr lang="en-US" dirty="0" smtClean="0"/>
-              <a:t>Clone Refactoring</a:t>
+              <a:t>Clone Detection</a:t>
             </a:r>
             <a:endParaRPr lang="en-CA" dirty="0"/>
           </a:p>
         </p:txBody>
       </p:sp>
-      <p:sp>
-        <p:nvSpPr>
-          <p:cNvPr id="3" name="Content Placeholder 2"/>
-          <p:cNvSpPr>
-            <a:spLocks noGrp="1"/>
-          </p:cNvSpPr>
+      <p:pic>
+        <p:nvPicPr>
+          <p:cNvPr id="4" name="Content Placeholder 3"/>
+          <p:cNvPicPr>
+            <a:picLocks noGrp="1" noChangeAspect="1"/>
+          </p:cNvPicPr>
           <p:nvPr>
             <p:ph idx="1"/>
           </p:nvPr>
-        </p:nvSpPr>
-        <p:spPr/>
-        <p:txBody>
-          <a:bodyPr/>
-          <a:lstStyle/>
-          <a:p>
-            <a:endParaRPr lang="en-CA"/>
-          </a:p>
-        </p:txBody>
-      </p:sp>
+        </p:nvPicPr>
+        <p:blipFill>
+          <a:blip r:embed="rId2">
+            <a:extLst>
+              <a:ext uri="{28A0092B-C50C-407E-A947-70E740481C1C}">
+                <a14:useLocalDpi xmlns:a14="http://schemas.microsoft.com/office/drawing/2010/main" val="0"/>
+              </a:ext>
+            </a:extLst>
+          </a:blip>
+          <a:stretch>
+            <a:fillRect/>
+          </a:stretch>
+        </p:blipFill>
+        <p:spPr>
+          <a:xfrm>
+            <a:off x="3650052" y="1772098"/>
+            <a:ext cx="4888721" cy="4823611"/>
+          </a:xfrm>
+        </p:spPr>
+      </p:pic>
     </p:spTree>
     <p:extLst>
       <p:ext uri="{BB962C8B-B14F-4D97-AF65-F5344CB8AC3E}">
@@ -5072,13 +5247,13 @@
   <p:clrMapOvr>
     <a:masterClrMapping/>
   </p:clrMapOvr>
-  <mc:AlternateContent xmlns:mc="http://schemas.openxmlformats.org/markup-compatibility/2006">
-    <mc:Choice xmlns:p14="http://schemas.microsoft.com/office/powerpoint/2010/main" Requires="p14">
+  <mc:AlternateContent xmlns:mc="http://schemas.openxmlformats.org/markup-compatibility/2006" xmlns:p14="http://schemas.microsoft.com/office/powerpoint/2010/main">
+    <mc:Choice Requires="p14">
       <p:transition spd="med" p14:dur="700">
         <p:fade/>
       </p:transition>
     </mc:Choice>
-    <mc:Fallback>
+    <mc:Fallback xmlns="">
       <p:transition spd="med">
         <p:fade/>
       </p:transition>
@@ -5123,29 +5298,288 @@
               <a:rPr lang="en-US" dirty="0" err="1" smtClean="0"/>
               <a:t>CloneDigger</a:t>
             </a:r>
+            <a:r>
+              <a:rPr lang="en-US" dirty="0" smtClean="0"/>
+              <a:t> –</a:t>
+            </a:r>
+            <a:r>
+              <a:rPr lang="en-US" dirty="0" smtClean="0"/>
+              <a:t> Anti-Unification </a:t>
+            </a:r>
             <a:endParaRPr lang="en-CA" dirty="0"/>
           </a:p>
         </p:txBody>
       </p:sp>
-      <p:sp>
-        <p:nvSpPr>
-          <p:cNvPr id="3" name="Content Placeholder 2"/>
-          <p:cNvSpPr>
-            <a:spLocks noGrp="1"/>
-          </p:cNvSpPr>
-          <p:nvPr>
-            <p:ph idx="1"/>
-          </p:nvPr>
-        </p:nvSpPr>
-        <p:spPr/>
-        <p:txBody>
-          <a:bodyPr/>
-          <a:lstStyle/>
-          <a:p>
-            <a:endParaRPr lang="en-CA"/>
-          </a:p>
-        </p:txBody>
-      </p:sp>
+      <mc:AlternateContent xmlns:mc="http://schemas.openxmlformats.org/markup-compatibility/2006">
+        <mc:Choice xmlns:a14="http://schemas.microsoft.com/office/drawing/2010/main" Requires="a14">
+          <p:sp>
+            <p:nvSpPr>
+              <p:cNvPr id="3" name="Content Placeholder 2"/>
+              <p:cNvSpPr>
+                <a:spLocks noGrp="1"/>
+              </p:cNvSpPr>
+              <p:nvPr>
+                <p:ph idx="1"/>
+              </p:nvPr>
+            </p:nvSpPr>
+            <p:spPr/>
+            <p:txBody>
+              <a:bodyPr>
+                <a:normAutofit lnSpcReduction="10000"/>
+              </a:bodyPr>
+              <a:lstStyle/>
+              <a:p>
+                <a:r>
+                  <a:rPr lang="en-US" dirty="0" smtClean="0"/>
+                  <a:t>Anti-unification: let E</a:t>
+                </a:r>
+                <a:r>
+                  <a:rPr lang="en-US" baseline="-25000" dirty="0" smtClean="0"/>
+                  <a:t>1</a:t>
+                </a:r>
+                <a:r>
+                  <a:rPr lang="en-US" dirty="0" smtClean="0"/>
+                  <a:t> and E</a:t>
+                </a:r>
+                <a:r>
+                  <a:rPr lang="en-US" baseline="-25000" dirty="0" smtClean="0"/>
+                  <a:t>2</a:t>
+                </a:r>
+                <a:r>
+                  <a:rPr lang="en-US" dirty="0" smtClean="0"/>
+                  <a:t> be two terms. Term E is a generalization of E</a:t>
+                </a:r>
+                <a:r>
+                  <a:rPr lang="en-US" baseline="-25000" dirty="0" smtClean="0"/>
+                  <a:t>1</a:t>
+                </a:r>
+                <a:r>
+                  <a:rPr lang="en-US" dirty="0"/>
+                  <a:t> </a:t>
+                </a:r>
+                <a:r>
+                  <a:rPr lang="en-US" dirty="0" smtClean="0"/>
+                  <a:t>and E</a:t>
+                </a:r>
+                <a:r>
+                  <a:rPr lang="en-US" baseline="-25000" dirty="0" smtClean="0"/>
+                  <a:t>2</a:t>
+                </a:r>
+                <a:r>
+                  <a:rPr lang="en-US" dirty="0" smtClean="0"/>
+                  <a:t> if there exist two substitutions </a:t>
+                </a:r>
+                <a14:m>
+                  <m:oMath xmlns:m="http://schemas.openxmlformats.org/officeDocument/2006/math">
+                    <m:r>
+                      <a:rPr lang="en-US" i="1" smtClean="0">
+                        <a:latin typeface="Cambria Math" panose="02040503050406030204" pitchFamily="18" charset="0"/>
+                        <a:ea typeface="Cambria Math" panose="02040503050406030204" pitchFamily="18" charset="0"/>
+                      </a:rPr>
+                      <m:t>𝜎</m:t>
+                    </m:r>
+                  </m:oMath>
+                </a14:m>
+                <a:r>
+                  <a:rPr lang="en-CA" baseline="-25000" dirty="0" smtClean="0"/>
+                  <a:t>1</a:t>
+                </a:r>
+                <a:r>
+                  <a:rPr lang="en-CA" dirty="0" smtClean="0"/>
+                  <a:t> and </a:t>
+                </a:r>
+                <a14:m>
+                  <m:oMath xmlns:m="http://schemas.openxmlformats.org/officeDocument/2006/math">
+                    <m:r>
+                      <a:rPr lang="en-US" i="1">
+                        <a:latin typeface="Cambria Math" panose="02040503050406030204" pitchFamily="18" charset="0"/>
+                        <a:ea typeface="Cambria Math" panose="02040503050406030204" pitchFamily="18" charset="0"/>
+                      </a:rPr>
+                      <m:t>𝜎</m:t>
+                    </m:r>
+                  </m:oMath>
+                </a14:m>
+                <a:r>
+                  <a:rPr lang="en-CA" baseline="-25000" dirty="0" smtClean="0"/>
+                  <a:t>2</a:t>
+                </a:r>
+                <a:r>
+                  <a:rPr lang="en-CA" dirty="0" smtClean="0"/>
+                  <a:t> such that </a:t>
+                </a:r>
+                <a14:m>
+                  <m:oMath xmlns:m="http://schemas.openxmlformats.org/officeDocument/2006/math">
+                    <m:r>
+                      <a:rPr lang="en-US" i="1">
+                        <a:latin typeface="Cambria Math" panose="02040503050406030204" pitchFamily="18" charset="0"/>
+                        <a:ea typeface="Cambria Math" panose="02040503050406030204" pitchFamily="18" charset="0"/>
+                      </a:rPr>
+                      <m:t>𝜎</m:t>
+                    </m:r>
+                  </m:oMath>
+                </a14:m>
+                <a:r>
+                  <a:rPr lang="en-CA" baseline="-25000" dirty="0" smtClean="0"/>
+                  <a:t>1</a:t>
+                </a:r>
+                <a:r>
+                  <a:rPr lang="en-CA" dirty="0" smtClean="0"/>
+                  <a:t>(E) = E</a:t>
+                </a:r>
+                <a:r>
+                  <a:rPr lang="en-CA" baseline="-25000" dirty="0" smtClean="0"/>
+                  <a:t>1</a:t>
+                </a:r>
+                <a:r>
+                  <a:rPr lang="en-CA" dirty="0" smtClean="0"/>
+                  <a:t> and </a:t>
+                </a:r>
+                <a14:m>
+                  <m:oMath xmlns:m="http://schemas.openxmlformats.org/officeDocument/2006/math">
+                    <m:r>
+                      <a:rPr lang="en-US" i="1">
+                        <a:latin typeface="Cambria Math" panose="02040503050406030204" pitchFamily="18" charset="0"/>
+                        <a:ea typeface="Cambria Math" panose="02040503050406030204" pitchFamily="18" charset="0"/>
+                      </a:rPr>
+                      <m:t>𝜎</m:t>
+                    </m:r>
+                  </m:oMath>
+                </a14:m>
+                <a:r>
+                  <a:rPr lang="en-CA" baseline="-25000" dirty="0" smtClean="0"/>
+                  <a:t>2</a:t>
+                </a:r>
+                <a:r>
+                  <a:rPr lang="en-CA" dirty="0" smtClean="0"/>
+                  <a:t>(</a:t>
+                </a:r>
+                <a:r>
+                  <a:rPr lang="en-US" altLang="zh-CN" dirty="0" smtClean="0"/>
+                  <a:t>E) = E</a:t>
+                </a:r>
+                <a:r>
+                  <a:rPr lang="en-US" altLang="zh-CN" baseline="-25000" dirty="0" smtClean="0"/>
+                  <a:t>2</a:t>
+                </a:r>
+                <a:r>
+                  <a:rPr lang="en-US" altLang="zh-CN" dirty="0" smtClean="0"/>
+                  <a:t>. The most specific generalization of E</a:t>
+                </a:r>
+                <a:r>
+                  <a:rPr lang="en-US" altLang="zh-CN" baseline="-25000" dirty="0" smtClean="0"/>
+                  <a:t>1</a:t>
+                </a:r>
+                <a:r>
+                  <a:rPr lang="en-US" altLang="zh-CN" dirty="0" smtClean="0"/>
+                  <a:t> and E</a:t>
+                </a:r>
+                <a:r>
+                  <a:rPr lang="en-US" altLang="zh-CN" baseline="-25000" dirty="0" smtClean="0"/>
+                  <a:t>2</a:t>
+                </a:r>
+                <a:r>
+                  <a:rPr lang="en-US" altLang="zh-CN" dirty="0" smtClean="0"/>
+                  <a:t> is called anti-unifier. The process of finding an anti-unifier is called anti-unification.</a:t>
+                </a:r>
+              </a:p>
+              <a:p>
+                <a:r>
+                  <a:rPr lang="en-US" dirty="0" smtClean="0"/>
+                  <a:t>The anti-unifier tree of two trees T</a:t>
+                </a:r>
+                <a:r>
+                  <a:rPr lang="en-US" baseline="-25000" dirty="0" smtClean="0"/>
+                  <a:t>1</a:t>
+                </a:r>
+                <a:r>
+                  <a:rPr lang="en-US" dirty="0" smtClean="0"/>
+                  <a:t> and T</a:t>
+                </a:r>
+                <a:r>
+                  <a:rPr lang="en-US" baseline="-25000" dirty="0" smtClean="0"/>
+                  <a:t>2</a:t>
+                </a:r>
+                <a:r>
+                  <a:rPr lang="en-US" dirty="0" smtClean="0"/>
+                  <a:t> is obtained by replacing some </a:t>
+                </a:r>
+                <a:r>
+                  <a:rPr lang="en-US" dirty="0" err="1" smtClean="0"/>
+                  <a:t>subtrees</a:t>
+                </a:r>
+                <a:r>
+                  <a:rPr lang="en-US" dirty="0" smtClean="0"/>
+                  <a:t> in T</a:t>
+                </a:r>
+                <a:r>
+                  <a:rPr lang="en-US" baseline="-25000" dirty="0" smtClean="0"/>
+                  <a:t>1</a:t>
+                </a:r>
+                <a:r>
+                  <a:rPr lang="en-US" dirty="0" smtClean="0"/>
+                  <a:t> and T</a:t>
+                </a:r>
+                <a:r>
+                  <a:rPr lang="en-US" baseline="-25000" dirty="0" smtClean="0"/>
+                  <a:t>2</a:t>
+                </a:r>
+                <a:r>
+                  <a:rPr lang="en-US" dirty="0" smtClean="0"/>
+                  <a:t> by special nodes, containing term placeholders which are marked with integers.</a:t>
+                </a:r>
+              </a:p>
+              <a:p>
+                <a:r>
+                  <a:rPr lang="en-US" dirty="0" smtClean="0"/>
+                  <a:t>The anti-unifier of two trees represents their “skeleton”, inserting placeholders for </a:t>
+                </a:r>
+                <a:r>
+                  <a:rPr lang="en-US" dirty="0" err="1" smtClean="0"/>
+                  <a:t>subtrees</a:t>
+                </a:r>
+                <a:r>
+                  <a:rPr lang="en-US" dirty="0" smtClean="0"/>
+                  <a:t> which differ. The anti-unifier of a set of trees can be seen as the most specific pattern which matches each tree in the set.</a:t>
+                </a:r>
+                <a:endParaRPr lang="en-CA" dirty="0"/>
+              </a:p>
+            </p:txBody>
+          </p:sp>
+        </mc:Choice>
+        <mc:Fallback>
+          <p:sp>
+            <p:nvSpPr>
+              <p:cNvPr id="3" name="Content Placeholder 2"/>
+              <p:cNvSpPr>
+                <a:spLocks noGrp="1" noRot="1" noChangeAspect="1" noMove="1" noResize="1" noEditPoints="1" noAdjustHandles="1" noChangeArrowheads="1" noChangeShapeType="1" noTextEdit="1"/>
+              </p:cNvSpPr>
+              <p:nvPr>
+                <p:ph idx="1"/>
+              </p:nvPr>
+            </p:nvSpPr>
+            <p:spPr>
+              <a:blipFill rotWithShape="0">
+                <a:blip r:embed="rId2"/>
+                <a:stretch>
+                  <a:fillRect l="-935" t="-2663" r="-1268" b="-2071"/>
+                </a:stretch>
+              </a:blipFill>
+            </p:spPr>
+            <p:txBody>
+              <a:bodyPr/>
+              <a:lstStyle/>
+              <a:p>
+                <a:r>
+                  <a:rPr lang="en-CA">
+                    <a:noFill/>
+                  </a:rPr>
+                  <a:t> </a:t>
+                </a:r>
+              </a:p>
+            </p:txBody>
+          </p:sp>
+        </mc:Fallback>
+      </mc:AlternateContent>
     </p:spTree>
     <p:extLst>
       <p:ext uri="{BB962C8B-B14F-4D97-AF65-F5344CB8AC3E}">
@@ -5156,13 +5590,13 @@
   <p:clrMapOvr>
     <a:masterClrMapping/>
   </p:clrMapOvr>
-  <mc:AlternateContent xmlns:mc="http://schemas.openxmlformats.org/markup-compatibility/2006">
-    <mc:Choice xmlns:p14="http://schemas.microsoft.com/office/powerpoint/2010/main" Requires="p14">
+  <mc:AlternateContent xmlns:mc="http://schemas.openxmlformats.org/markup-compatibility/2006" xmlns:p14="http://schemas.microsoft.com/office/powerpoint/2010/main">
+    <mc:Choice Requires="p14">
       <p:transition spd="med" p14:dur="700">
         <p:fade/>
       </p:transition>
     </mc:Choice>
-    <mc:Fallback>
+    <mc:Fallback xmlns="">
       <p:transition spd="med">
         <p:fade/>
       </p:transition>
@@ -5207,6 +5641,10 @@
               <a:rPr lang="en-US" dirty="0" err="1" smtClean="0"/>
               <a:t>CloneDigger</a:t>
             </a:r>
+            <a:r>
+              <a:rPr lang="en-US" dirty="0" smtClean="0"/>
+              <a:t> – Clone Detection Algorithm</a:t>
+            </a:r>
             <a:endParaRPr lang="en-CA" dirty="0"/>
           </a:p>
         </p:txBody>
@@ -5226,7 +5664,33 @@
           <a:bodyPr/>
           <a:lstStyle/>
           <a:p>
-            <a:endParaRPr lang="en-CA"/>
+            <a:r>
+              <a:rPr lang="en-US" dirty="0" smtClean="0"/>
+              <a:t>Build the AST for the program.</a:t>
+            </a:r>
+          </a:p>
+          <a:p>
+            <a:r>
+              <a:rPr lang="en-US" dirty="0" smtClean="0"/>
+              <a:t>Identify similar statements using anti-unification and partition them into clusters.</a:t>
+            </a:r>
+          </a:p>
+          <a:p>
+            <a:r>
+              <a:rPr lang="en-US" dirty="0" smtClean="0"/>
+              <a:t>Find identical sequences of cluster IDs. These are candidates to be reported as duplicate code fragments.</a:t>
+            </a:r>
+          </a:p>
+          <a:p>
+            <a:r>
+              <a:rPr lang="en-US" dirty="0" smtClean="0"/>
+              <a:t>Refine by examining the identified code sequences for overall similarity. In this phase, every pair of candidate sequences is checked for overall similarity at the statement level, again </a:t>
+            </a:r>
+            <a:r>
+              <a:rPr lang="en-US" smtClean="0"/>
+              <a:t>using anti-unification.</a:t>
+            </a:r>
+            <a:endParaRPr lang="en-US" dirty="0" smtClean="0"/>
           </a:p>
         </p:txBody>
       </p:sp>
@@ -5240,13 +5704,13 @@
   <p:clrMapOvr>
     <a:masterClrMapping/>
   </p:clrMapOvr>
-  <mc:AlternateContent xmlns:mc="http://schemas.openxmlformats.org/markup-compatibility/2006">
-    <mc:Choice xmlns:p14="http://schemas.microsoft.com/office/powerpoint/2010/main" Requires="p14">
+  <mc:AlternateContent xmlns:mc="http://schemas.openxmlformats.org/markup-compatibility/2006" xmlns:p14="http://schemas.microsoft.com/office/powerpoint/2010/main">
+    <mc:Choice Requires="p14">
       <p:transition spd="med" p14:dur="700">
         <p:fade/>
       </p:transition>
     </mc:Choice>
-    <mc:Fallback>
+    <mc:Fallback xmlns="">
       <p:transition spd="med">
         <p:fade/>
       </p:transition>
@@ -5288,40 +5752,78 @@
           <a:lstStyle/>
           <a:p>
             <a:r>
-              <a:rPr lang="en-US" dirty="0" err="1" smtClean="0"/>
-              <a:t>EasyMerge</a:t>
-            </a:r>
+              <a:rPr lang="en-US" altLang="zh-CN" dirty="0" smtClean="0"/>
+              <a:t>Clone Refactoring</a:t>
+            </a:r>
+            <a:endParaRPr lang="en-CA" dirty="0"/>
+          </a:p>
+        </p:txBody>
+      </p:sp>
+      <p:sp>
+        <p:nvSpPr>
+          <p:cNvPr id="3" name="Content Placeholder 2"/>
+          <p:cNvSpPr>
+            <a:spLocks noGrp="1"/>
+          </p:cNvSpPr>
+          <p:nvPr>
+            <p:ph idx="1"/>
+          </p:nvPr>
+        </p:nvSpPr>
+        <p:spPr/>
+        <p:txBody>
+          <a:bodyPr/>
+          <a:lstStyle/>
+          <a:p>
             <a:r>
               <a:rPr lang="en-US" dirty="0" smtClean="0"/>
-              <a:t> - UI</a:t>
-            </a:r>
+              <a:t>Extract Method</a:t>
+            </a:r>
+          </a:p>
+          <a:p>
+            <a:r>
+              <a:rPr lang="en-US" dirty="0" smtClean="0"/>
+              <a:t>Pull Up Method</a:t>
+            </a:r>
+          </a:p>
+          <a:p>
+            <a:r>
+              <a:rPr lang="en-US" dirty="0" smtClean="0"/>
+              <a:t>Possible implications</a:t>
+            </a:r>
+          </a:p>
+          <a:p>
+            <a:pPr lvl="1"/>
+            <a:r>
+              <a:rPr lang="en-US" dirty="0"/>
+              <a:t>E</a:t>
+            </a:r>
+            <a:r>
+              <a:rPr lang="en-US" dirty="0" smtClean="0"/>
+              <a:t>xternal references such as variables, objects and function calls</a:t>
+            </a:r>
+          </a:p>
+          <a:p>
+            <a:pPr lvl="1"/>
+            <a:r>
+              <a:rPr lang="en-US" dirty="0" smtClean="0"/>
+              <a:t>Future references</a:t>
+            </a:r>
+          </a:p>
+          <a:p>
+            <a:r>
+              <a:rPr lang="en-US" dirty="0" smtClean="0"/>
+              <a:t>Related works: usage of refactoring guidance metrics</a:t>
+            </a:r>
+          </a:p>
+          <a:p>
             <a:endParaRPr lang="en-CA" dirty="0"/>
-          </a:p>
-        </p:txBody>
-      </p:sp>
-      <p:sp>
-        <p:nvSpPr>
-          <p:cNvPr id="3" name="Content Placeholder 2"/>
-          <p:cNvSpPr>
-            <a:spLocks noGrp="1"/>
-          </p:cNvSpPr>
-          <p:nvPr>
-            <p:ph idx="1"/>
-          </p:nvPr>
-        </p:nvSpPr>
-        <p:spPr/>
-        <p:txBody>
-          <a:bodyPr/>
-          <a:lstStyle/>
-          <a:p>
-            <a:endParaRPr lang="en-CA"/>
           </a:p>
         </p:txBody>
       </p:sp>
     </p:spTree>
     <p:extLst>
       <p:ext uri="{BB962C8B-B14F-4D97-AF65-F5344CB8AC3E}">
-        <p14:creationId xmlns:p14="http://schemas.microsoft.com/office/powerpoint/2010/main" val="1716828164"/>
+        <p14:creationId xmlns:p14="http://schemas.microsoft.com/office/powerpoint/2010/main" val="30837492"/>
       </p:ext>
     </p:extLst>
   </p:cSld>
@@ -5381,48 +5883,58 @@
             </a:r>
             <a:r>
               <a:rPr lang="en-US" dirty="0" smtClean="0"/>
-              <a:t> - Preprocessing</a:t>
+              <a:t> - UI</a:t>
             </a:r>
             <a:endParaRPr lang="en-CA" dirty="0"/>
           </a:p>
         </p:txBody>
       </p:sp>
-      <p:sp>
-        <p:nvSpPr>
-          <p:cNvPr id="3" name="Content Placeholder 2"/>
-          <p:cNvSpPr>
-            <a:spLocks noGrp="1"/>
-          </p:cNvSpPr>
+      <p:pic>
+        <p:nvPicPr>
+          <p:cNvPr id="4" name="Content Placeholder 3"/>
+          <p:cNvPicPr>
+            <a:picLocks noGrp="1" noChangeAspect="1"/>
+          </p:cNvPicPr>
           <p:nvPr>
             <p:ph idx="1"/>
           </p:nvPr>
-        </p:nvSpPr>
-        <p:spPr/>
-        <p:txBody>
-          <a:bodyPr/>
-          <a:lstStyle/>
-          <a:p>
-            <a:endParaRPr lang="en-CA"/>
-          </a:p>
-        </p:txBody>
-      </p:sp>
+        </p:nvPicPr>
+        <p:blipFill>
+          <a:blip r:embed="rId2" cstate="print">
+            <a:extLst>
+              <a:ext uri="{28A0092B-C50C-407E-A947-70E740481C1C}">
+                <a14:useLocalDpi xmlns:a14="http://schemas.microsoft.com/office/drawing/2010/main" val="0"/>
+              </a:ext>
+            </a:extLst>
+          </a:blip>
+          <a:stretch>
+            <a:fillRect/>
+          </a:stretch>
+        </p:blipFill>
+        <p:spPr>
+          <a:xfrm>
+            <a:off x="2280091" y="1905000"/>
+            <a:ext cx="7619119" cy="4114800"/>
+          </a:xfrm>
+        </p:spPr>
+      </p:pic>
     </p:spTree>
     <p:extLst>
       <p:ext uri="{BB962C8B-B14F-4D97-AF65-F5344CB8AC3E}">
-        <p14:creationId xmlns:p14="http://schemas.microsoft.com/office/powerpoint/2010/main" val="510851361"/>
+        <p14:creationId xmlns:p14="http://schemas.microsoft.com/office/powerpoint/2010/main" val="1716828164"/>
       </p:ext>
     </p:extLst>
   </p:cSld>
   <p:clrMapOvr>
     <a:masterClrMapping/>
   </p:clrMapOvr>
-  <mc:AlternateContent xmlns:mc="http://schemas.openxmlformats.org/markup-compatibility/2006">
-    <mc:Choice xmlns:p14="http://schemas.microsoft.com/office/powerpoint/2010/main" Requires="p14">
+  <mc:AlternateContent xmlns:mc="http://schemas.openxmlformats.org/markup-compatibility/2006" xmlns:p14="http://schemas.microsoft.com/office/powerpoint/2010/main">
+    <mc:Choice Requires="p14">
       <p:transition spd="med" p14:dur="700">
         <p:fade/>
       </p:transition>
     </mc:Choice>
-    <mc:Fallback>
+    <mc:Fallback xmlns="">
       <p:transition spd="med">
         <p:fade/>
       </p:transition>
@@ -5469,7 +5981,7 @@
             </a:r>
             <a:r>
               <a:rPr lang="en-US" dirty="0" smtClean="0"/>
-              <a:t> - Classification</a:t>
+              <a:t> - Preprocessing</a:t>
             </a:r>
             <a:endParaRPr lang="en-CA" dirty="0"/>
           </a:p>
@@ -5497,20 +6009,20 @@
     </p:spTree>
     <p:extLst>
       <p:ext uri="{BB962C8B-B14F-4D97-AF65-F5344CB8AC3E}">
-        <p14:creationId xmlns:p14="http://schemas.microsoft.com/office/powerpoint/2010/main" val="2726149338"/>
+        <p14:creationId xmlns:p14="http://schemas.microsoft.com/office/powerpoint/2010/main" val="510851361"/>
       </p:ext>
     </p:extLst>
   </p:cSld>
   <p:clrMapOvr>
     <a:masterClrMapping/>
   </p:clrMapOvr>
-  <mc:AlternateContent xmlns:mc="http://schemas.openxmlformats.org/markup-compatibility/2006">
-    <mc:Choice xmlns:p14="http://schemas.microsoft.com/office/powerpoint/2010/main" Requires="p14">
+  <mc:AlternateContent xmlns:mc="http://schemas.openxmlformats.org/markup-compatibility/2006" xmlns:p14="http://schemas.microsoft.com/office/powerpoint/2010/main">
+    <mc:Choice Requires="p14">
       <p:transition spd="med" p14:dur="700">
         <p:fade/>
       </p:transition>
     </mc:Choice>
-    <mc:Fallback>
+    <mc:Fallback xmlns="">
       <p:transition spd="med">
         <p:fade/>
       </p:transition>

--- a/EasyMerge.pptx
+++ b/EasyMerge.pptx
@@ -234,7 +234,7 @@
           <a:p>
             <a:fld id="{59088EAF-6ECA-4616-85EF-35AA19C641F3}" type="datetimeFigureOut">
               <a:rPr lang="en-US"/>
-              <a:t>3/24/2014</a:t>
+              <a:t>3/25/2014</a:t>
             </a:fld>
             <a:endParaRPr/>
           </a:p>
@@ -399,7 +399,7 @@
           <a:p>
             <a:fld id="{3ABD2D7A-D230-4F91-BD59-0A39C2703BA8}" type="datetimeFigureOut">
               <a:rPr lang="en-US"/>
-              <a:t>3/24/2014</a:t>
+              <a:t>3/25/2014</a:t>
             </a:fld>
             <a:endParaRPr/>
           </a:p>
@@ -1001,7 +1001,7 @@
           <a:p>
             <a:fld id="{03F41C87-7AD9-4845-A077-840E4A0F3F06}" type="datetimeFigureOut">
               <a:rPr lang="en-US"/>
-              <a:t>3/24/2014</a:t>
+              <a:t>3/25/2014</a:t>
             </a:fld>
             <a:endParaRPr/>
           </a:p>
@@ -1200,7 +1200,7 @@
           <a:p>
             <a:fld id="{03F41C87-7AD9-4845-A077-840E4A0F3F06}" type="datetimeFigureOut">
               <a:rPr lang="en-US"/>
-              <a:t>3/24/2014</a:t>
+              <a:t>3/25/2014</a:t>
             </a:fld>
             <a:endParaRPr/>
           </a:p>
@@ -1396,7 +1396,7 @@
           <a:p>
             <a:fld id="{03F41C87-7AD9-4845-A077-840E4A0F3F06}" type="datetimeFigureOut">
               <a:rPr lang="en-US"/>
-              <a:t>3/24/2014</a:t>
+              <a:t>3/25/2014</a:t>
             </a:fld>
             <a:endParaRPr/>
           </a:p>
@@ -1683,7 +1683,7 @@
           <a:p>
             <a:fld id="{03F41C87-7AD9-4845-A077-840E4A0F3F06}" type="datetimeFigureOut">
               <a:rPr lang="en-US"/>
-              <a:t>3/24/2014</a:t>
+              <a:t>3/25/2014</a:t>
             </a:fld>
             <a:endParaRPr/>
           </a:p>
@@ -1994,7 +1994,7 @@
           <a:p>
             <a:fld id="{03F41C87-7AD9-4845-A077-840E4A0F3F06}" type="datetimeFigureOut">
               <a:rPr lang="en-US"/>
-              <a:t>3/24/2014</a:t>
+              <a:t>3/25/2014</a:t>
             </a:fld>
             <a:endParaRPr/>
           </a:p>
@@ -2457,7 +2457,7 @@
           <a:p>
             <a:fld id="{03F41C87-7AD9-4845-A077-840E4A0F3F06}" type="datetimeFigureOut">
               <a:rPr lang="en-US"/>
-              <a:t>3/24/2014</a:t>
+              <a:t>3/25/2014</a:t>
             </a:fld>
             <a:endParaRPr/>
           </a:p>
@@ -2594,7 +2594,7 @@
           <a:p>
             <a:fld id="{03F41C87-7AD9-4845-A077-840E4A0F3F06}" type="datetimeFigureOut">
               <a:rPr lang="en-US"/>
-              <a:t>3/24/2014</a:t>
+              <a:t>3/25/2014</a:t>
             </a:fld>
             <a:endParaRPr/>
           </a:p>
@@ -2716,7 +2716,7 @@
           <a:p>
             <a:fld id="{03F41C87-7AD9-4845-A077-840E4A0F3F06}" type="datetimeFigureOut">
               <a:rPr lang="en-US"/>
-              <a:t>3/24/2014</a:t>
+              <a:t>3/25/2014</a:t>
             </a:fld>
             <a:endParaRPr/>
           </a:p>
@@ -3045,7 +3045,7 @@
           <a:p>
             <a:fld id="{03F41C87-7AD9-4845-A077-840E4A0F3F06}" type="datetimeFigureOut">
               <a:rPr lang="en-US"/>
-              <a:t>3/24/2014</a:t>
+              <a:t>3/25/2014</a:t>
             </a:fld>
             <a:endParaRPr/>
           </a:p>
@@ -3364,7 +3364,7 @@
             <a:fld id="{03F41C87-7AD9-4845-A077-840E4A0F3F06}" type="datetimeFigureOut">
               <a:rPr lang="en-US"/>
               <a:pPr/>
-              <a:t>3/24/2014</a:t>
+              <a:t>3/25/2014</a:t>
             </a:fld>
             <a:endParaRPr/>
           </a:p>
@@ -3607,7 +3607,7 @@
             <a:fld id="{03F41C87-7AD9-4845-A077-840E4A0F3F06}" type="datetimeFigureOut">
               <a:rPr lang="en-US"/>
               <a:pPr/>
-              <a:t>3/24/2014</a:t>
+              <a:t>3/25/2014</a:t>
             </a:fld>
             <a:endParaRPr/>
           </a:p>
@@ -5232,9 +5232,39 @@
         </p:blipFill>
         <p:spPr>
           <a:xfrm>
-            <a:off x="3650052" y="1772098"/>
+            <a:off x="952020" y="1747299"/>
             <a:ext cx="4888721" cy="4823611"/>
           </a:xfrm>
+        </p:spPr>
+      </p:pic>
+      <p:pic>
+        <p:nvPicPr>
+          <p:cNvPr id="3" name="Picture 2"/>
+          <p:cNvPicPr>
+            <a:picLocks noChangeAspect="1"/>
+          </p:cNvPicPr>
+          <p:nvPr/>
+        </p:nvPicPr>
+        <p:blipFill>
+          <a:blip r:embed="rId3">
+            <a:extLst>
+              <a:ext uri="{28A0092B-C50C-407E-A947-70E740481C1C}">
+                <a14:useLocalDpi xmlns:a14="http://schemas.microsoft.com/office/drawing/2010/main" val="0"/>
+              </a:ext>
+            </a:extLst>
+          </a:blip>
+          <a:stretch>
+            <a:fillRect/>
+          </a:stretch>
+        </p:blipFill>
+        <p:spPr>
+          <a:xfrm>
+            <a:off x="6094413" y="1752600"/>
+            <a:ext cx="5118431" cy="4725144"/>
+          </a:xfrm>
+          <a:prstGeom prst="rect">
+            <a:avLst/>
+          </a:prstGeom>
         </p:spPr>
       </p:pic>
     </p:spTree>
@@ -5300,11 +5330,7 @@
             </a:r>
             <a:r>
               <a:rPr lang="en-US" dirty="0" smtClean="0"/>
-              <a:t> –</a:t>
-            </a:r>
-            <a:r>
-              <a:rPr lang="en-US" dirty="0" smtClean="0"/>
-              <a:t> Anti-Unification </a:t>
+              <a:t> – Anti-Unification </a:t>
             </a:r>
             <a:endParaRPr lang="en-CA" dirty="0"/>
           </a:p>
@@ -5530,16 +5556,16 @@
               </a:p>
               <a:p>
                 <a:r>
-                  <a:rPr lang="en-US" dirty="0" smtClean="0"/>
-                  <a:t>The anti-unifier of two trees represents their “skeleton”, inserting placeholders for </a:t>
-                </a:r>
-                <a:r>
-                  <a:rPr lang="en-US" dirty="0" err="1" smtClean="0"/>
-                  <a:t>subtrees</a:t>
+                  <a:rPr lang="en-US" dirty="0"/>
+                  <a:t>L</a:t>
                 </a:r>
                 <a:r>
                   <a:rPr lang="en-US" dirty="0" smtClean="0"/>
-                  <a:t> which differ. The anti-unifier of a set of trees can be seen as the most specific pattern which matches each tree in the set.</a:t>
+                  <a:t>et U be the anti-unifier of two trees, the anti-unification distance between them is a sum of sizes of all substituting trees in </a:t>
+                </a:r>
+                <a:r>
+                  <a:rPr lang="en-US" smtClean="0"/>
+                  <a:t>their substitutions.</a:t>
                 </a:r>
                 <a:endParaRPr lang="en-CA" dirty="0"/>
               </a:p>
@@ -5561,7 +5587,7 @@
               <a:blipFill rotWithShape="0">
                 <a:blip r:embed="rId2"/>
                 <a:stretch>
-                  <a:fillRect l="-935" t="-2663" r="-1268" b="-2071"/>
+                  <a:fillRect l="-935" t="-2663" r="-1268"/>
                 </a:stretch>
               </a:blipFill>
             </p:spPr>
@@ -5782,8 +5808,13 @@
           <a:p>
             <a:r>
               <a:rPr lang="en-US" dirty="0" smtClean="0"/>
-              <a:t>Pull Up Method</a:t>
-            </a:r>
+              <a:t>Pull Up </a:t>
+            </a:r>
+            <a:r>
+              <a:rPr lang="en-US" dirty="0" smtClean="0"/>
+              <a:t>Method*</a:t>
+            </a:r>
+            <a:endParaRPr lang="en-US" dirty="0" smtClean="0"/>
           </a:p>
           <a:p>
             <a:r>
@@ -5830,13 +5861,13 @@
   <p:clrMapOvr>
     <a:masterClrMapping/>
   </p:clrMapOvr>
-  <mc:AlternateContent xmlns:mc="http://schemas.openxmlformats.org/markup-compatibility/2006">
-    <mc:Choice xmlns:p14="http://schemas.microsoft.com/office/powerpoint/2010/main" Requires="p14">
+  <mc:AlternateContent xmlns:mc="http://schemas.openxmlformats.org/markup-compatibility/2006" xmlns:p14="http://schemas.microsoft.com/office/powerpoint/2010/main">
+    <mc:Choice Requires="p14">
       <p:transition spd="med" p14:dur="700">
         <p:fade/>
       </p:transition>
     </mc:Choice>
-    <mc:Fallback>
+    <mc:Fallback xmlns="">
       <p:transition spd="med">
         <p:fade/>
       </p:transition>
